--- a/docs/diagrams/UpdateProjectTaskSequenceDiagram.pptx
+++ b/docs/diagrams/UpdateProjectTaskSequenceDiagram.pptx
@@ -4157,8 +4157,8 @@
         </p:nvCxnSpPr>
         <p:spPr>
           <a:xfrm>
-            <a:off x="816664" y="1744337"/>
-            <a:ext cx="1391983" cy="0"/>
+            <a:off x="768914" y="1353947"/>
+            <a:ext cx="968513" cy="7452"/>
           </a:xfrm>
           <a:prstGeom prst="straightConnector1">
             <a:avLst/>
